--- a/lectures3/Pythonlearn-09-Dictionaries-PL.pptx
+++ b/lectures3/Pythonlearn-09-Dictionaries-PL.pptx
@@ -5405,7 +5405,7 @@
               <a:buNone/>
             </a:pPr>
             <a:r>
-              <a:rPr lang="pl" sz="7600" b="0" i="0" u="none" strike="noStrike" cap="none" baseline="0">
+              <a:rPr lang="pl" sz="7600" b="0" i="0" u="none" strike="noStrike" cap="none" baseline="0" dirty="0">
                 <a:solidFill>
                   <a:srgbClr val="FFD966"/>
                 </a:solidFill>

--- a/lectures3/Pythonlearn-09-Dictionaries-PL.pptx
+++ b/lectures3/Pythonlearn-09-Dictionaries-PL.pptx
@@ -573,16 +573,74 @@
               <a:spcBef>
                 <a:spcPts val="0"/>
               </a:spcBef>
-              <a:buNone/>
-            </a:pPr>
-            <a:r>
-              <a:rPr lang="pl" b="0" i="0" u="none" baseline="0">
+              <a:buClr>
+                <a:schemeClr val="dk2"/>
+              </a:buClr>
+              <a:buSzPct val="78571"/>
+              <a:buFont typeface="Arial"/>
+              <a:buNone/>
+            </a:pPr>
+            <a:r>
+              <a:rPr lang="pl" b="0" i="0" u="none" baseline="0" dirty="0">
                 <a:solidFill>
                   <a:schemeClr val="dk2"/>
                 </a:solidFill>
               </a:rPr>
-              <a:t>Notka od Chucka  Używając tych materiałów masz prawo usunąć logo UM i zastąpić je własnym ale zostaw proszę logo CC-BY na pierwszej stronie oraz całą ostatnią stronę.</a:t>
-            </a:r>
+              <a:t>Notka od Chucka</a:t>
+            </a:r>
+            <a:r>
+              <a:rPr lang="en-US" b="0" i="0" u="none" baseline="0" dirty="0">
+                <a:solidFill>
+                  <a:schemeClr val="dk2"/>
+                </a:solidFill>
+              </a:rPr>
+              <a:t>:</a:t>
+            </a:r>
+            <a:r>
+              <a:rPr lang="pl" b="0" i="0" u="none" baseline="0" dirty="0">
+                <a:solidFill>
+                  <a:schemeClr val="dk2"/>
+                </a:solidFill>
+              </a:rPr>
+              <a:t> </a:t>
+            </a:r>
+            <a:r>
+              <a:rPr lang="en-US" b="0" i="0" u="none" baseline="0" dirty="0" err="1">
+                <a:solidFill>
+                  <a:schemeClr val="dk2"/>
+                </a:solidFill>
+              </a:rPr>
+              <a:t>uż</a:t>
+            </a:r>
+            <a:r>
+              <a:rPr lang="pl" b="0" i="0" u="none" baseline="0" dirty="0">
+                <a:solidFill>
+                  <a:schemeClr val="dk2"/>
+                </a:solidFill>
+              </a:rPr>
+              <a:t>ywając tych materiałów masz prawo usunąć logo UM i zastąpić je własnym</a:t>
+            </a:r>
+            <a:r>
+              <a:rPr lang="en-US" b="0" i="0" u="none" baseline="0" dirty="0">
+                <a:solidFill>
+                  <a:schemeClr val="dk2"/>
+                </a:solidFill>
+              </a:rPr>
+              <a:t>,</a:t>
+            </a:r>
+            <a:r>
+              <a:rPr lang="pl" b="0" i="0" u="none" baseline="0" dirty="0">
+                <a:solidFill>
+                  <a:schemeClr val="dk2"/>
+                </a:solidFill>
+              </a:rPr>
+              <a:t> ale zostaw proszę logo CC-BY na pierwszej stronie oraz strony z podziękowaniami dla współtwórców.</a:t>
+            </a:r>
+            <a:endParaRPr lang="pl" dirty="0">
+              <a:solidFill>
+                <a:schemeClr val="dk2"/>
+              </a:solidFill>
+            </a:endParaRPr>
           </a:p>
         </p:txBody>
       </p:sp>
@@ -10085,8 +10143,8 @@
         </p:nvSpPr>
         <p:spPr>
           <a:xfrm>
-            <a:off x="1155700" y="789709"/>
-            <a:ext cx="13655819" cy="1750290"/>
+            <a:off x="434945" y="789709"/>
+            <a:ext cx="15097330" cy="1750290"/>
           </a:xfrm>
           <a:prstGeom prst="rect">
             <a:avLst/>
@@ -10120,7 +10178,7 @@
               <a:buNone/>
             </a:pPr>
             <a:r>
-              <a:rPr lang="pl" sz="7600" b="0" i="0" u="none" strike="noStrike" cap="none" baseline="0">
+              <a:rPr lang="pl" sz="7600" b="0" i="0" u="none" strike="noStrike" cap="none" baseline="0" dirty="0">
                 <a:solidFill>
                   <a:srgbClr val="FFD966"/>
                 </a:solidFill>
@@ -17395,7 +17453,7 @@
               <a:t>w </a:t>
             </a:r>
             <a:r>
-              <a:rPr lang="en-US" sz="3600" b="0" i="0" u="none" strike="noStrike" cap="none" baseline="0" dirty="0" err="1">
+              <a:rPr lang="pl-PL" sz="3600" b="0" i="0" u="none" strike="noStrike" cap="none" baseline="0" dirty="0" err="1">
                 <a:solidFill>
                   <a:schemeClr val="lt1"/>
                 </a:solidFill>
@@ -17407,172 +17465,16 @@
               <a:t>Pythonie</a:t>
             </a:r>
             <a:r>
-              <a:rPr lang="en-US" sz="3600" b="0" i="0" u="none" strike="noStrike" cap="none" baseline="0" dirty="0">
-                <a:solidFill>
-                  <a:schemeClr val="lt1"/>
-                </a:solidFill>
-                <a:latin typeface="Arial" charset="0"/>
-                <a:ea typeface="Arial" charset="0"/>
-                <a:cs typeface="Arial" charset="0"/>
-                <a:sym typeface="Cabin"/>
-              </a:rPr>
-              <a:t> od </a:t>
-            </a:r>
-            <a:r>
-              <a:rPr lang="en-US" sz="3600" b="0" i="0" u="none" strike="noStrike" cap="none" baseline="0" dirty="0" err="1">
-                <a:solidFill>
-                  <a:schemeClr val="lt1"/>
-                </a:solidFill>
-                <a:latin typeface="Arial" charset="0"/>
-                <a:ea typeface="Arial" charset="0"/>
-                <a:cs typeface="Arial" charset="0"/>
-                <a:sym typeface="Cabin"/>
-              </a:rPr>
-              <a:t>wersji</a:t>
-            </a:r>
-            <a:r>
-              <a:rPr lang="en-US" sz="3600" b="0" i="0" u="none" strike="noStrike" cap="none" baseline="0" dirty="0">
-                <a:solidFill>
-                  <a:schemeClr val="lt1"/>
-                </a:solidFill>
-                <a:latin typeface="Arial" charset="0"/>
-                <a:ea typeface="Arial" charset="0"/>
-                <a:cs typeface="Arial" charset="0"/>
-                <a:sym typeface="Cabin"/>
-              </a:rPr>
-              <a:t> 3.6 </a:t>
-            </a:r>
-            <a:r>
-              <a:rPr lang="en-US" sz="3600" b="0" i="0" u="none" strike="noStrike" cap="none" baseline="0" dirty="0" err="1">
-                <a:solidFill>
-                  <a:schemeClr val="lt1"/>
-                </a:solidFill>
-                <a:latin typeface="Arial" charset="0"/>
-                <a:ea typeface="Arial" charset="0"/>
-                <a:cs typeface="Arial" charset="0"/>
-                <a:sym typeface="Cabin"/>
-              </a:rPr>
-              <a:t>są</a:t>
-            </a:r>
-            <a:r>
-              <a:rPr lang="en-US" sz="3600" b="0" i="0" u="none" strike="noStrike" cap="none" baseline="0" dirty="0">
-                <a:solidFill>
-                  <a:schemeClr val="lt1"/>
-                </a:solidFill>
-                <a:latin typeface="Arial" charset="0"/>
-                <a:ea typeface="Arial" charset="0"/>
-                <a:cs typeface="Arial" charset="0"/>
-                <a:sym typeface="Cabin"/>
-              </a:rPr>
-              <a:t> </a:t>
-            </a:r>
-            <a:r>
-              <a:rPr lang="en-US" sz="3600" b="0" i="0" u="none" strike="noStrike" cap="none" baseline="0" dirty="0" err="1">
-                <a:solidFill>
-                  <a:schemeClr val="lt1"/>
-                </a:solidFill>
-                <a:latin typeface="Arial" charset="0"/>
-                <a:ea typeface="Arial" charset="0"/>
-                <a:cs typeface="Arial" charset="0"/>
-                <a:sym typeface="Cabin"/>
-              </a:rPr>
-              <a:t>uporządkowane</a:t>
-            </a:r>
-            <a:r>
-              <a:rPr lang="en-US" sz="3600" b="0" i="0" u="none" strike="noStrike" cap="none" baseline="0" dirty="0">
-                <a:solidFill>
-                  <a:schemeClr val="lt1"/>
-                </a:solidFill>
-                <a:latin typeface="Arial" charset="0"/>
-                <a:ea typeface="Arial" charset="0"/>
-                <a:cs typeface="Arial" charset="0"/>
-                <a:sym typeface="Cabin"/>
-              </a:rPr>
-              <a:t> </a:t>
-            </a:r>
-            <a:r>
-              <a:rPr lang="en-US" sz="3600" b="0" i="0" u="none" strike="noStrike" cap="none" baseline="0" dirty="0" err="1">
-                <a:solidFill>
-                  <a:schemeClr val="lt1"/>
-                </a:solidFill>
-                <a:latin typeface="Arial" charset="0"/>
-                <a:ea typeface="Arial" charset="0"/>
-                <a:cs typeface="Arial" charset="0"/>
-                <a:sym typeface="Cabin"/>
-              </a:rPr>
-              <a:t>zgodnie</a:t>
-            </a:r>
-            <a:r>
-              <a:rPr lang="en-US" sz="3600" b="0" i="0" u="none" strike="noStrike" cap="none" baseline="0" dirty="0">
-                <a:solidFill>
-                  <a:schemeClr val="lt1"/>
-                </a:solidFill>
-                <a:latin typeface="Arial" charset="0"/>
-                <a:ea typeface="Arial" charset="0"/>
-                <a:cs typeface="Arial" charset="0"/>
-                <a:sym typeface="Cabin"/>
-              </a:rPr>
-              <a:t> z </a:t>
-            </a:r>
-            <a:r>
-              <a:rPr lang="en-US" sz="3600" b="0" i="0" u="none" strike="noStrike" cap="none" baseline="0" dirty="0" err="1">
-                <a:solidFill>
-                  <a:schemeClr val="lt1"/>
-                </a:solidFill>
-                <a:latin typeface="Arial" charset="0"/>
-                <a:ea typeface="Arial" charset="0"/>
-                <a:cs typeface="Arial" charset="0"/>
-                <a:sym typeface="Cabin"/>
-              </a:rPr>
-              <a:t>kolejnością</a:t>
-            </a:r>
-            <a:r>
-              <a:rPr lang="en-US" sz="3600" b="0" i="0" u="none" strike="noStrike" cap="none" baseline="0" dirty="0">
-                <a:solidFill>
-                  <a:schemeClr val="lt1"/>
-                </a:solidFill>
-                <a:latin typeface="Arial" charset="0"/>
-                <a:ea typeface="Arial" charset="0"/>
-                <a:cs typeface="Arial" charset="0"/>
-                <a:sym typeface="Cabin"/>
-              </a:rPr>
-              <a:t> </a:t>
-            </a:r>
-            <a:r>
-              <a:rPr lang="en-US" sz="3600" b="0" i="0" u="none" strike="noStrike" cap="none" baseline="0" dirty="0" err="1">
-                <a:solidFill>
-                  <a:schemeClr val="lt1"/>
-                </a:solidFill>
-                <a:latin typeface="Arial" charset="0"/>
-                <a:ea typeface="Arial" charset="0"/>
-                <a:cs typeface="Arial" charset="0"/>
-                <a:sym typeface="Cabin"/>
-              </a:rPr>
-              <a:t>wstawiania</a:t>
-            </a:r>
-            <a:r>
-              <a:rPr lang="en-US" sz="3600" b="0" i="0" u="none" strike="noStrike" cap="none" baseline="0" dirty="0">
-                <a:solidFill>
-                  <a:schemeClr val="lt1"/>
-                </a:solidFill>
-                <a:latin typeface="Arial" charset="0"/>
-                <a:ea typeface="Arial" charset="0"/>
-                <a:cs typeface="Arial" charset="0"/>
-                <a:sym typeface="Cabin"/>
-              </a:rPr>
-              <a:t> par </a:t>
-            </a:r>
-            <a:r>
-              <a:rPr lang="en-US" sz="3600" b="0" i="0" u="none" strike="noStrike" cap="none" baseline="0" dirty="0" err="1">
-                <a:solidFill>
-                  <a:schemeClr val="lt1"/>
-                </a:solidFill>
-                <a:latin typeface="Arial" charset="0"/>
-                <a:ea typeface="Arial" charset="0"/>
-                <a:cs typeface="Arial" charset="0"/>
-                <a:sym typeface="Cabin"/>
-              </a:rPr>
-              <a:t>klucz-wartość</a:t>
+              <a:rPr lang="pl-PL" sz="3600" b="0" i="0" u="none" strike="noStrike" cap="none" baseline="0" dirty="0">
+                <a:solidFill>
+                  <a:schemeClr val="lt1"/>
+                </a:solidFill>
+                <a:latin typeface="Arial" charset="0"/>
+                <a:ea typeface="Arial" charset="0"/>
+                <a:cs typeface="Arial" charset="0"/>
+                <a:sym typeface="Cabin"/>
+              </a:rPr>
+              <a:t> od wersji 3.6 są uporządkowane zgodnie z kolejnością wstawiania par klucz-wartość</a:t>
             </a:r>
             <a:r>
               <a:rPr lang="en-US" sz="3600" b="0" i="0" u="none" strike="noStrike" cap="none" baseline="0" dirty="0">
@@ -19552,7 +19454,31 @@
                 <a:cs typeface="Arial" charset="0"/>
                 <a:sym typeface="Cabin"/>
               </a:rPr>
-              <a:t> w słowniku, używając *dwóch* zmiennych sterujących</a:t>
+              <a:t> w słowniku, używając </a:t>
+            </a:r>
+            <a:r>
+              <a:rPr lang="pl" sz="3600" b="1" i="0" u="none" strike="noStrike" cap="none" baseline="0" dirty="0">
+                <a:solidFill>
+                  <a:schemeClr val="lt1"/>
+                </a:solidFill>
+                <a:latin typeface="Arial" charset="0"/>
+                <a:ea typeface="Arial" charset="0"/>
+                <a:cs typeface="Arial" charset="0"/>
+                <a:sym typeface="Cabin"/>
+              </a:rPr>
+              <a:t>dwóch</a:t>
+            </a:r>
+            <a:r>
+              <a:rPr lang="pl" sz="3600" b="0" i="0" u="none" strike="noStrike" cap="none" baseline="0" dirty="0">
+                <a:solidFill>
+                  <a:schemeClr val="lt1"/>
+                </a:solidFill>
+                <a:latin typeface="Arial" charset="0"/>
+                <a:ea typeface="Arial" charset="0"/>
+                <a:cs typeface="Arial" charset="0"/>
+                <a:sym typeface="Cabin"/>
+              </a:rPr>
+              <a:t> zmiennych sterujących</a:t>
             </a:r>
           </a:p>
           <a:p>
@@ -24993,7 +24919,7 @@
               <a:t> </a:t>
             </a:r>
             <a:r>
-              <a:rPr lang="en-US" sz="3600" b="0" i="0" u="none" strike="noStrike" cap="none" baseline="0" dirty="0" err="1">
+              <a:rPr lang="pl-PL" sz="3600" b="0" i="0" u="none" strike="noStrike" cap="none" baseline="0" dirty="0">
                 <a:solidFill>
                   <a:schemeClr val="lt1"/>
                 </a:solidFill>
@@ -25578,7 +25504,7 @@
                 <a:cs typeface="Courier"/>
                 <a:sym typeface="Courier New"/>
               </a:rPr>
-              <a:t>{'pieniądze': 12, 'słodycze’: 3</a:t>
+              <a:t>{'pieniądze': 12, 'słodycze': 3</a:t>
             </a:r>
             <a:r>
               <a:rPr lang="en-US" sz="2400" dirty="0">
